--- a/Outlaw/Stendo Down! But for Suckers.pptx
+++ b/Outlaw/Stendo Down! But for Suckers.pptx
@@ -4232,7 +4232,7 @@
           <p:nvPr>
             <p:extLst>
               <p:ext uri="{D42A27DB-BD31-4B8C-83A1-F6EECF244321}">
-                <p14:modId xmlns:p14="http://schemas.microsoft.com/office/powerpoint/2010/main" val="2338158102"/>
+                <p14:modId xmlns:p14="http://schemas.microsoft.com/office/powerpoint/2010/main" val="282881752"/>
               </p:ext>
             </p:extLst>
           </p:nvPr>
@@ -4978,6 +4978,21 @@
                         </a:rPr>
                         <a:t>minipoppers</a:t>
                       </a:r>
+                      <a:r>
+                        <a:rPr kumimoji="0" lang="en-US" sz="1100" b="1" i="0" u="none" strike="noStrike" cap="none" normalizeH="0" baseline="0">
+                          <a:ln>
+                            <a:noFill/>
+                          </a:ln>
+                          <a:solidFill>
+                            <a:schemeClr val="tx1"/>
+                          </a:solidFill>
+                          <a:effectLst/>
+                          <a:latin typeface="Arial" charset="0"/>
+                          <a:ea typeface="ＭＳ Ｐゴシック" pitchFamily="-112" charset="-128"/>
+                          <a:cs typeface="Times New Roman" pitchFamily="-112" charset="0"/>
+                        </a:rPr>
+                        <a:t>, 3 NT</a:t>
+                      </a:r>
                       <a:endParaRPr kumimoji="0" lang="en-US" sz="1100" b="1" i="0" u="none" strike="noStrike" cap="none" normalizeH="0" baseline="0" dirty="0">
                         <a:ln>
                           <a:noFill/>
@@ -5022,39 +5037,6 @@
                           <a:cs typeface="Times New Roman" pitchFamily="-112" charset="0"/>
                         </a:rPr>
                         <a:t>START-STOP:          Audible - Last shot</a:t>
-                      </a:r>
-                    </a:p>
-                    <a:p>
-                      <a:pPr marL="0" marR="0" lvl="0" indent="0" algn="l" defTabSz="966788" rtl="0" eaLnBrk="0" fontAlgn="base" latinLnBrk="0" hangingPunct="0">
-                        <a:lnSpc>
-                          <a:spcPct val="100000"/>
-                        </a:lnSpc>
-                        <a:spcBef>
-                          <a:spcPct val="0"/>
-                        </a:spcBef>
-                        <a:spcAft>
-                          <a:spcPct val="0"/>
-                        </a:spcAft>
-                        <a:buClrTx/>
-                        <a:buSzTx/>
-                        <a:buFontTx/>
-                        <a:buNone/>
-                        <a:tabLst/>
-                      </a:pPr>
-                      <a:r>
-                        <a:rPr kumimoji="0" lang="en-US" sz="1100" b="1" i="0" u="none" strike="noStrike" cap="none" normalizeH="0" baseline="0" dirty="0">
-                          <a:ln>
-                            <a:noFill/>
-                          </a:ln>
-                          <a:solidFill>
-                            <a:schemeClr val="tx1"/>
-                          </a:solidFill>
-                          <a:effectLst/>
-                          <a:latin typeface="Arial" charset="0"/>
-                          <a:ea typeface="ＭＳ Ｐゴシック" pitchFamily="-112" charset="-128"/>
-                          <a:cs typeface="Times New Roman" pitchFamily="-112" charset="0"/>
-                        </a:rPr>
-                        <a:t>CONCEALMENT:     Required</a:t>
                       </a:r>
                     </a:p>
                     <a:p>

--- a/Outlaw/Stendo Down! But for Suckers.pptx
+++ b/Outlaw/Stendo Down! But for Suckers.pptx
@@ -4232,7 +4232,7 @@
           <p:nvPr>
             <p:extLst>
               <p:ext uri="{D42A27DB-BD31-4B8C-83A1-F6EECF244321}">
-                <p14:modId xmlns:p14="http://schemas.microsoft.com/office/powerpoint/2010/main" val="282881752"/>
+                <p14:modId xmlns:p14="http://schemas.microsoft.com/office/powerpoint/2010/main" val="4189272645"/>
               </p:ext>
             </p:extLst>
           </p:nvPr>
@@ -5188,6 +5188,69 @@
                           <a:cs typeface="Times New Roman" pitchFamily="-112" charset="0"/>
                         </a:rPr>
                         <a:t>Upon start signal, engage each carboard target with 2 shots each. Conduct a mandatory reload and reengage each cardboard with two rounds each. The steel can be shot at any time in any order.</a:t>
+                      </a:r>
+                    </a:p>
+                    <a:p>
+                      <a:pPr marL="0" marR="0" lvl="0" indent="0" algn="l" defTabSz="966788" rtl="0" eaLnBrk="1" fontAlgn="base" latinLnBrk="0" hangingPunct="1">
+                        <a:lnSpc>
+                          <a:spcPct val="100000"/>
+                        </a:lnSpc>
+                        <a:spcBef>
+                          <a:spcPct val="20000"/>
+                        </a:spcBef>
+                        <a:spcAft>
+                          <a:spcPct val="0"/>
+                        </a:spcAft>
+                        <a:buClrTx/>
+                        <a:buSzTx/>
+                        <a:buFontTx/>
+                        <a:buNone/>
+                        <a:tabLst/>
+                      </a:pPr>
+                      <a:endParaRPr kumimoji="0" lang="en-US" sz="1050" b="0" i="0" u="none" strike="noStrike" cap="none" normalizeH="0" baseline="0" dirty="0">
+                        <a:ln>
+                          <a:noFill/>
+                        </a:ln>
+                        <a:solidFill>
+                          <a:schemeClr val="tx1"/>
+                        </a:solidFill>
+                        <a:effectLst/>
+                        <a:latin typeface="Arial" charset="0"/>
+                        <a:ea typeface="ＭＳ Ｐゴシック" pitchFamily="-112" charset="-128"/>
+                        <a:cs typeface="Times New Roman" pitchFamily="-112" charset="0"/>
+                      </a:endParaRPr>
+                    </a:p>
+                    <a:p>
+                      <a:pPr marL="0" marR="0" lvl="0" indent="0" algn="l" defTabSz="966788" rtl="0" eaLnBrk="1" fontAlgn="base" latinLnBrk="0" hangingPunct="1">
+                        <a:lnSpc>
+                          <a:spcPct val="100000"/>
+                        </a:lnSpc>
+                        <a:spcBef>
+                          <a:spcPct val="20000"/>
+                        </a:spcBef>
+                        <a:spcAft>
+                          <a:spcPct val="0"/>
+                        </a:spcAft>
+                        <a:buClrTx/>
+                        <a:buSzTx/>
+                        <a:buFontTx/>
+                        <a:buNone/>
+                        <a:tabLst/>
+                      </a:pPr>
+                      <a:r>
+                        <a:rPr kumimoji="0" lang="en-US" sz="1100" b="1" i="0" u="none" strike="noStrike" cap="none" normalizeH="0" baseline="0">
+                          <a:ln>
+                            <a:noFill/>
+                          </a:ln>
+                          <a:solidFill>
+                            <a:schemeClr val="tx1"/>
+                          </a:solidFill>
+                          <a:effectLst/>
+                          <a:latin typeface="Arial" charset="0"/>
+                          <a:ea typeface="ＭＳ Ｐゴシック" pitchFamily="-112" charset="-128"/>
+                          <a:cs typeface="Times New Roman" pitchFamily="-112" charset="0"/>
+                        </a:rPr>
+                        <a:t>NOTE: Cones define 180 line</a:t>
                       </a:r>
                     </a:p>
                   </a:txBody>
@@ -10980,6 +11043,427 @@
           </p:txBody>
         </p:sp>
       </p:grpSp>
+      <p:sp>
+        <p:nvSpPr>
+          <p:cNvPr id="108" name="TextBox 107">
+            <a:extLst>
+              <a:ext uri="{FF2B5EF4-FFF2-40B4-BE49-F238E27FC236}">
+                <a16:creationId xmlns:a16="http://schemas.microsoft.com/office/drawing/2014/main" id="{B71B243A-DEEF-4A85-982C-6F5EDC22B8A0}"/>
+              </a:ext>
+            </a:extLst>
+          </p:cNvPr>
+          <p:cNvSpPr txBox="1"/>
+          <p:nvPr/>
+        </p:nvSpPr>
+        <p:spPr>
+          <a:xfrm>
+            <a:off x="956468" y="4492008"/>
+            <a:ext cx="533400" cy="369332"/>
+          </a:xfrm>
+          <a:prstGeom prst="rect">
+            <a:avLst/>
+          </a:prstGeom>
+          <a:noFill/>
+        </p:spPr>
+        <p:txBody>
+          <a:bodyPr wrap="square" rtlCol="0">
+            <a:spAutoFit/>
+          </a:bodyPr>
+          <a:lstStyle/>
+          <a:p>
+            <a:r>
+              <a:rPr lang="en-US" b="1" dirty="0"/>
+              <a:t>T1</a:t>
+            </a:r>
+          </a:p>
+        </p:txBody>
+      </p:sp>
+      <p:sp>
+        <p:nvSpPr>
+          <p:cNvPr id="109" name="TextBox 108">
+            <a:extLst>
+              <a:ext uri="{FF2B5EF4-FFF2-40B4-BE49-F238E27FC236}">
+                <a16:creationId xmlns:a16="http://schemas.microsoft.com/office/drawing/2014/main" id="{11A90905-E195-4F9E-909D-7C535200D0F7}"/>
+              </a:ext>
+            </a:extLst>
+          </p:cNvPr>
+          <p:cNvSpPr txBox="1"/>
+          <p:nvPr/>
+        </p:nvSpPr>
+        <p:spPr>
+          <a:xfrm>
+            <a:off x="919600" y="4786846"/>
+            <a:ext cx="533400" cy="369332"/>
+          </a:xfrm>
+          <a:prstGeom prst="rect">
+            <a:avLst/>
+          </a:prstGeom>
+          <a:noFill/>
+        </p:spPr>
+        <p:txBody>
+          <a:bodyPr wrap="square" rtlCol="0">
+            <a:spAutoFit/>
+          </a:bodyPr>
+          <a:lstStyle/>
+          <a:p>
+            <a:r>
+              <a:rPr lang="en-US" b="1" dirty="0"/>
+              <a:t>T2</a:t>
+            </a:r>
+          </a:p>
+        </p:txBody>
+      </p:sp>
+      <p:sp>
+        <p:nvSpPr>
+          <p:cNvPr id="110" name="TextBox 109">
+            <a:extLst>
+              <a:ext uri="{FF2B5EF4-FFF2-40B4-BE49-F238E27FC236}">
+                <a16:creationId xmlns:a16="http://schemas.microsoft.com/office/drawing/2014/main" id="{67B22EE2-FD8D-476A-8A10-2E9159BF52A3}"/>
+              </a:ext>
+            </a:extLst>
+          </p:cNvPr>
+          <p:cNvSpPr txBox="1"/>
+          <p:nvPr/>
+        </p:nvSpPr>
+        <p:spPr>
+          <a:xfrm>
+            <a:off x="1568969" y="3936019"/>
+            <a:ext cx="533400" cy="369332"/>
+          </a:xfrm>
+          <a:prstGeom prst="rect">
+            <a:avLst/>
+          </a:prstGeom>
+          <a:noFill/>
+        </p:spPr>
+        <p:txBody>
+          <a:bodyPr wrap="square" rtlCol="0">
+            <a:spAutoFit/>
+          </a:bodyPr>
+          <a:lstStyle/>
+          <a:p>
+            <a:r>
+              <a:rPr lang="en-US" b="1" dirty="0"/>
+              <a:t>T3</a:t>
+            </a:r>
+          </a:p>
+        </p:txBody>
+      </p:sp>
+      <p:sp>
+        <p:nvSpPr>
+          <p:cNvPr id="111" name="TextBox 110">
+            <a:extLst>
+              <a:ext uri="{FF2B5EF4-FFF2-40B4-BE49-F238E27FC236}">
+                <a16:creationId xmlns:a16="http://schemas.microsoft.com/office/drawing/2014/main" id="{4EE9C447-2AB1-4622-9DED-C0597F32704C}"/>
+              </a:ext>
+            </a:extLst>
+          </p:cNvPr>
+          <p:cNvSpPr txBox="1"/>
+          <p:nvPr/>
+        </p:nvSpPr>
+        <p:spPr>
+          <a:xfrm>
+            <a:off x="2846938" y="3538347"/>
+            <a:ext cx="533400" cy="369332"/>
+          </a:xfrm>
+          <a:prstGeom prst="rect">
+            <a:avLst/>
+          </a:prstGeom>
+          <a:noFill/>
+        </p:spPr>
+        <p:txBody>
+          <a:bodyPr wrap="square" rtlCol="0">
+            <a:spAutoFit/>
+          </a:bodyPr>
+          <a:lstStyle/>
+          <a:p>
+            <a:r>
+              <a:rPr lang="en-US" b="1" dirty="0"/>
+              <a:t>T4</a:t>
+            </a:r>
+          </a:p>
+        </p:txBody>
+      </p:sp>
+      <p:sp>
+        <p:nvSpPr>
+          <p:cNvPr id="112" name="TextBox 111">
+            <a:extLst>
+              <a:ext uri="{FF2B5EF4-FFF2-40B4-BE49-F238E27FC236}">
+                <a16:creationId xmlns:a16="http://schemas.microsoft.com/office/drawing/2014/main" id="{0A9440FF-41D1-4120-8F5F-B8F2BA7B2213}"/>
+              </a:ext>
+            </a:extLst>
+          </p:cNvPr>
+          <p:cNvSpPr txBox="1"/>
+          <p:nvPr/>
+        </p:nvSpPr>
+        <p:spPr>
+          <a:xfrm>
+            <a:off x="3386390" y="3666276"/>
+            <a:ext cx="533400" cy="369332"/>
+          </a:xfrm>
+          <a:prstGeom prst="rect">
+            <a:avLst/>
+          </a:prstGeom>
+          <a:noFill/>
+        </p:spPr>
+        <p:txBody>
+          <a:bodyPr wrap="square" rtlCol="0">
+            <a:spAutoFit/>
+          </a:bodyPr>
+          <a:lstStyle/>
+          <a:p>
+            <a:r>
+              <a:rPr lang="en-US" b="1" dirty="0"/>
+              <a:t>T5</a:t>
+            </a:r>
+          </a:p>
+        </p:txBody>
+      </p:sp>
+      <p:sp>
+        <p:nvSpPr>
+          <p:cNvPr id="113" name="TextBox 112">
+            <a:extLst>
+              <a:ext uri="{FF2B5EF4-FFF2-40B4-BE49-F238E27FC236}">
+                <a16:creationId xmlns:a16="http://schemas.microsoft.com/office/drawing/2014/main" id="{7E607D45-1A84-480E-89DE-0505E20611DC}"/>
+              </a:ext>
+            </a:extLst>
+          </p:cNvPr>
+          <p:cNvSpPr txBox="1"/>
+          <p:nvPr/>
+        </p:nvSpPr>
+        <p:spPr>
+          <a:xfrm>
+            <a:off x="3382050" y="4567445"/>
+            <a:ext cx="533400" cy="369332"/>
+          </a:xfrm>
+          <a:prstGeom prst="rect">
+            <a:avLst/>
+          </a:prstGeom>
+          <a:noFill/>
+        </p:spPr>
+        <p:txBody>
+          <a:bodyPr wrap="square" rtlCol="0">
+            <a:spAutoFit/>
+          </a:bodyPr>
+          <a:lstStyle/>
+          <a:p>
+            <a:r>
+              <a:rPr lang="en-US" b="1" dirty="0"/>
+              <a:t>T6</a:t>
+            </a:r>
+          </a:p>
+        </p:txBody>
+      </p:sp>
+      <p:sp>
+        <p:nvSpPr>
+          <p:cNvPr id="114" name="TextBox 113">
+            <a:extLst>
+              <a:ext uri="{FF2B5EF4-FFF2-40B4-BE49-F238E27FC236}">
+                <a16:creationId xmlns:a16="http://schemas.microsoft.com/office/drawing/2014/main" id="{D1A7A37F-C94F-4371-B090-6064C2F1E1A4}"/>
+              </a:ext>
+            </a:extLst>
+          </p:cNvPr>
+          <p:cNvSpPr txBox="1"/>
+          <p:nvPr/>
+        </p:nvSpPr>
+        <p:spPr>
+          <a:xfrm>
+            <a:off x="3875664" y="3606630"/>
+            <a:ext cx="533400" cy="369332"/>
+          </a:xfrm>
+          <a:prstGeom prst="rect">
+            <a:avLst/>
+          </a:prstGeom>
+          <a:noFill/>
+        </p:spPr>
+        <p:txBody>
+          <a:bodyPr wrap="square" rtlCol="0">
+            <a:spAutoFit/>
+          </a:bodyPr>
+          <a:lstStyle/>
+          <a:p>
+            <a:r>
+              <a:rPr lang="en-US" b="1" dirty="0"/>
+              <a:t>T7</a:t>
+            </a:r>
+          </a:p>
+        </p:txBody>
+      </p:sp>
+      <p:sp>
+        <p:nvSpPr>
+          <p:cNvPr id="115" name="TextBox 114">
+            <a:extLst>
+              <a:ext uri="{FF2B5EF4-FFF2-40B4-BE49-F238E27FC236}">
+                <a16:creationId xmlns:a16="http://schemas.microsoft.com/office/drawing/2014/main" id="{E35CB779-9A19-4B78-8AB2-94F88CBAFF9E}"/>
+              </a:ext>
+            </a:extLst>
+          </p:cNvPr>
+          <p:cNvSpPr txBox="1"/>
+          <p:nvPr/>
+        </p:nvSpPr>
+        <p:spPr>
+          <a:xfrm>
+            <a:off x="5558999" y="3912532"/>
+            <a:ext cx="533400" cy="369332"/>
+          </a:xfrm>
+          <a:prstGeom prst="rect">
+            <a:avLst/>
+          </a:prstGeom>
+          <a:noFill/>
+        </p:spPr>
+        <p:txBody>
+          <a:bodyPr wrap="square" rtlCol="0">
+            <a:spAutoFit/>
+          </a:bodyPr>
+          <a:lstStyle/>
+          <a:p>
+            <a:r>
+              <a:rPr lang="en-US" b="1" dirty="0"/>
+              <a:t>T8</a:t>
+            </a:r>
+          </a:p>
+        </p:txBody>
+      </p:sp>
+      <p:sp>
+        <p:nvSpPr>
+          <p:cNvPr id="116" name="TextBox 115">
+            <a:extLst>
+              <a:ext uri="{FF2B5EF4-FFF2-40B4-BE49-F238E27FC236}">
+                <a16:creationId xmlns:a16="http://schemas.microsoft.com/office/drawing/2014/main" id="{4BD26EE6-5A0C-41F4-99A0-347BC98A8977}"/>
+              </a:ext>
+            </a:extLst>
+          </p:cNvPr>
+          <p:cNvSpPr txBox="1"/>
+          <p:nvPr/>
+        </p:nvSpPr>
+        <p:spPr>
+          <a:xfrm>
+            <a:off x="6148452" y="4351219"/>
+            <a:ext cx="533400" cy="369332"/>
+          </a:xfrm>
+          <a:prstGeom prst="rect">
+            <a:avLst/>
+          </a:prstGeom>
+          <a:noFill/>
+        </p:spPr>
+        <p:txBody>
+          <a:bodyPr wrap="square" rtlCol="0">
+            <a:spAutoFit/>
+          </a:bodyPr>
+          <a:lstStyle/>
+          <a:p>
+            <a:r>
+              <a:rPr lang="en-US" b="1"/>
+              <a:t>T9</a:t>
+            </a:r>
+            <a:endParaRPr lang="en-US" b="1" dirty="0"/>
+          </a:p>
+        </p:txBody>
+      </p:sp>
+      <p:sp>
+        <p:nvSpPr>
+          <p:cNvPr id="117" name="TextBox 116">
+            <a:extLst>
+              <a:ext uri="{FF2B5EF4-FFF2-40B4-BE49-F238E27FC236}">
+                <a16:creationId xmlns:a16="http://schemas.microsoft.com/office/drawing/2014/main" id="{74412E25-600D-4EB4-B369-F33B437F065A}"/>
+              </a:ext>
+            </a:extLst>
+          </p:cNvPr>
+          <p:cNvSpPr txBox="1"/>
+          <p:nvPr/>
+        </p:nvSpPr>
+        <p:spPr>
+          <a:xfrm>
+            <a:off x="2294136" y="3606630"/>
+            <a:ext cx="671512" cy="369332"/>
+          </a:xfrm>
+          <a:prstGeom prst="rect">
+            <a:avLst/>
+          </a:prstGeom>
+          <a:noFill/>
+        </p:spPr>
+        <p:txBody>
+          <a:bodyPr wrap="square" rtlCol="0">
+            <a:spAutoFit/>
+          </a:bodyPr>
+          <a:lstStyle/>
+          <a:p>
+            <a:r>
+              <a:rPr lang="en-US" b="1" dirty="0"/>
+              <a:t>PP1</a:t>
+            </a:r>
+          </a:p>
+        </p:txBody>
+      </p:sp>
+      <p:sp>
+        <p:nvSpPr>
+          <p:cNvPr id="118" name="TextBox 117">
+            <a:extLst>
+              <a:ext uri="{FF2B5EF4-FFF2-40B4-BE49-F238E27FC236}">
+                <a16:creationId xmlns:a16="http://schemas.microsoft.com/office/drawing/2014/main" id="{24A2CB8A-DC5B-4691-953F-AB3DA8FB6CEB}"/>
+              </a:ext>
+            </a:extLst>
+          </p:cNvPr>
+          <p:cNvSpPr txBox="1"/>
+          <p:nvPr/>
+        </p:nvSpPr>
+        <p:spPr>
+          <a:xfrm>
+            <a:off x="4370559" y="3659582"/>
+            <a:ext cx="671512" cy="369332"/>
+          </a:xfrm>
+          <a:prstGeom prst="rect">
+            <a:avLst/>
+          </a:prstGeom>
+          <a:noFill/>
+        </p:spPr>
+        <p:txBody>
+          <a:bodyPr wrap="square" rtlCol="0">
+            <a:spAutoFit/>
+          </a:bodyPr>
+          <a:lstStyle/>
+          <a:p>
+            <a:r>
+              <a:rPr lang="en-US" b="1" dirty="0"/>
+              <a:t>PP2</a:t>
+            </a:r>
+          </a:p>
+        </p:txBody>
+      </p:sp>
+      <p:sp>
+        <p:nvSpPr>
+          <p:cNvPr id="119" name="TextBox 118">
+            <a:extLst>
+              <a:ext uri="{FF2B5EF4-FFF2-40B4-BE49-F238E27FC236}">
+                <a16:creationId xmlns:a16="http://schemas.microsoft.com/office/drawing/2014/main" id="{EA44291E-AFE2-40B4-9291-C16CAC5F5CD0}"/>
+              </a:ext>
+            </a:extLst>
+          </p:cNvPr>
+          <p:cNvSpPr txBox="1"/>
+          <p:nvPr/>
+        </p:nvSpPr>
+        <p:spPr>
+          <a:xfrm>
+            <a:off x="6117854" y="4796483"/>
+            <a:ext cx="686728" cy="369332"/>
+          </a:xfrm>
+          <a:prstGeom prst="rect">
+            <a:avLst/>
+          </a:prstGeom>
+          <a:noFill/>
+        </p:spPr>
+        <p:txBody>
+          <a:bodyPr wrap="square" rtlCol="0">
+            <a:spAutoFit/>
+          </a:bodyPr>
+          <a:lstStyle/>
+          <a:p>
+            <a:r>
+              <a:rPr lang="en-US" b="1" dirty="0"/>
+              <a:t>T10</a:t>
+            </a:r>
+          </a:p>
+        </p:txBody>
+      </p:sp>
     </p:spTree>
   </p:cSld>
   <p:clrMapOvr>
